--- a/BitcoinPreisundTweets_v03.pptx
+++ b/BitcoinPreisundTweets_v03.pptx
@@ -362,7 +362,7 @@
           <a:p>
             <a:fld id="{ED291B17-9318-49DB-B28B-6E5994AE9581}" type="datetime1">
               <a:rPr lang="en-US" smtClean="0"/>
-              <a:t>17-Jun-21</a:t>
+              <a:t>20-Jun-21</a:t>
             </a:fld>
             <a:endParaRPr lang="en-US" dirty="0"/>
           </a:p>
@@ -565,7 +565,7 @@
           <a:p>
             <a:fld id="{2CED4963-E985-44C4-B8C4-FDD613B7C2F8}" type="datetime1">
               <a:rPr lang="en-US" smtClean="0"/>
-              <a:t>17-Jun-21</a:t>
+              <a:t>20-Jun-21</a:t>
             </a:fld>
             <a:endParaRPr lang="en-US" dirty="0"/>
           </a:p>
@@ -927,7 +927,7 @@
           <a:p>
             <a:fld id="{ED291B17-9318-49DB-B28B-6E5994AE9581}" type="datetime1">
               <a:rPr lang="en-US" smtClean="0"/>
-              <a:t>17-Jun-21</a:t>
+              <a:t>20-Jun-21</a:t>
             </a:fld>
             <a:endParaRPr lang="en-US" dirty="0"/>
           </a:p>
@@ -1125,7 +1125,7 @@
           <a:p>
             <a:fld id="{78DD82B9-B8EE-4375-B6FF-88FA6ABB15D9}" type="datetime1">
               <a:rPr lang="en-US" smtClean="0"/>
-              <a:t>17-Jun-21</a:t>
+              <a:t>20-Jun-21</a:t>
             </a:fld>
             <a:endParaRPr lang="en-US" dirty="0"/>
           </a:p>
@@ -1437,7 +1437,7 @@
           <a:p>
             <a:fld id="{B2497495-0637-405E-AE64-5CC7506D51F5}" type="datetime1">
               <a:rPr lang="en-US" smtClean="0"/>
-              <a:t>17-Jun-21</a:t>
+              <a:t>20-Jun-21</a:t>
             </a:fld>
             <a:endParaRPr lang="en-US" dirty="0"/>
           </a:p>
@@ -1690,7 +1690,7 @@
           <a:p>
             <a:fld id="{7BFFD690-9426-415D-8B65-26881E07B2D4}" type="datetime1">
               <a:rPr lang="en-US" smtClean="0"/>
-              <a:t>17-Jun-21</a:t>
+              <a:t>20-Jun-21</a:t>
             </a:fld>
             <a:endParaRPr lang="en-US" dirty="0"/>
           </a:p>
@@ -2112,7 +2112,7 @@
           <a:p>
             <a:fld id="{04C4989A-474C-40DE-95B9-011C28B71673}" type="datetime1">
               <a:rPr lang="en-US" smtClean="0"/>
-              <a:t>17-Jun-21</a:t>
+              <a:t>20-Jun-21</a:t>
             </a:fld>
             <a:endParaRPr lang="en-US" dirty="0"/>
           </a:p>
@@ -2235,7 +2235,7 @@
           <a:p>
             <a:fld id="{5DB4ED54-5B5E-4A04-93D3-5772E3CE3818}" type="datetime1">
               <a:rPr lang="en-US" smtClean="0"/>
-              <a:t>17-Jun-21</a:t>
+              <a:t>20-Jun-21</a:t>
             </a:fld>
             <a:endParaRPr lang="en-US" dirty="0"/>
           </a:p>
@@ -2330,7 +2330,7 @@
           <a:p>
             <a:fld id="{4EDE50D6-574B-40AF-946F-D52A04ADE379}" type="datetime1">
               <a:rPr lang="en-US" smtClean="0"/>
-              <a:t>17-Jun-21</a:t>
+              <a:t>20-Jun-21</a:t>
             </a:fld>
             <a:endParaRPr lang="en-US" dirty="0"/>
           </a:p>
@@ -2707,7 +2707,7 @@
           <a:p>
             <a:fld id="{D82884F1-FFEA-405F-9602-3DCA865EDA4E}" type="datetime1">
               <a:rPr lang="en-US" smtClean="0"/>
-              <a:t>17-Jun-21</a:t>
+              <a:t>20-Jun-21</a:t>
             </a:fld>
             <a:endParaRPr lang="en-US" dirty="0"/>
           </a:p>
@@ -3000,7 +3000,7 @@
           <a:p>
             <a:fld id="{7E18DB4A-8810-4A10-AD5C-D5E2C667F5B3}" type="datetime1">
               <a:rPr lang="en-US" smtClean="0"/>
-              <a:t>17-Jun-21</a:t>
+              <a:t>20-Jun-21</a:t>
             </a:fld>
             <a:endParaRPr lang="en-US" dirty="0"/>
           </a:p>
@@ -3215,7 +3215,7 @@
           <a:p>
             <a:fld id="{ED291B17-9318-49DB-B28B-6E5994AE9581}" type="datetime1">
               <a:rPr lang="en-US" smtClean="0"/>
-              <a:t>17-Jun-21</a:t>
+              <a:t>20-Jun-21</a:t>
             </a:fld>
             <a:endParaRPr lang="en-US" dirty="0"/>
           </a:p>
@@ -4242,7 +4242,7 @@
         </p:spPr>
         <p:txBody>
           <a:bodyPr anchor="t">
-            <a:normAutofit lnSpcReduction="10000"/>
+            <a:normAutofit fontScale="92500"/>
           </a:bodyPr>
           <a:lstStyle/>
           <a:p>
@@ -4255,7 +4255,7 @@
                 <a:latin typeface="Calibri" panose="020F0502020204030204" pitchFamily="34" charset="0"/>
                 <a:ea typeface="Times New Roman" panose="02020603050405020304" pitchFamily="18" charset="0"/>
               </a:rPr>
-              <a:t>Twitter Developper Account benötigt</a:t>
+              <a:t>Twitter Developer Account benötigt</a:t>
             </a:r>
           </a:p>
           <a:p>
@@ -4335,9 +4335,23 @@
                 </a:solidFill>
                 <a:latin typeface="Calibri" panose="020F0502020204030204" pitchFamily="34" charset="0"/>
                 <a:ea typeface="Times New Roman" panose="02020603050405020304" pitchFamily="18" charset="0"/>
-              </a:rPr>
-              <a:t>Socket.send() verschluckt den den Linefeed am Ende der Zeile </a:t>
-            </a:r>
+                <a:sym typeface="Wingdings" panose="05000000000000000000" pitchFamily="2" charset="2"/>
+              </a:rPr>
+              <a:t>Tweets beinhalten alle möglichen Sonderzeichen die ein Processing error generieren können  preprocessing war schon hier nötig (library: tweet-preprocessor)</a:t>
+            </a:r>
+            <a:r>
+              <a:rPr lang="de-CH" sz="1500" dirty="0">
+                <a:solidFill>
+                  <a:srgbClr val="222222"/>
+                </a:solidFill>
+                <a:latin typeface="Calibri" panose="020F0502020204030204" pitchFamily="34" charset="0"/>
+                <a:ea typeface="Times New Roman" panose="02020603050405020304" pitchFamily="18" charset="0"/>
+              </a:rPr>
+              <a:t> </a:t>
+            </a:r>
+          </a:p>
+          <a:p>
+            <a:pPr lvl="1"/>
             <a:r>
               <a:rPr lang="de-CH" sz="1500" dirty="0">
                 <a:solidFill>
@@ -4347,11 +4361,21 @@
                 <a:ea typeface="Times New Roman" panose="02020603050405020304" pitchFamily="18" charset="0"/>
                 <a:sym typeface="Wingdings" panose="05000000000000000000" pitchFamily="2" charset="2"/>
               </a:rPr>
-              <a:t> alle Tweets werden in einen string geschrieben</a:t>
+              <a:t>Der Timestamp musste manuell eingefügt werden</a:t>
             </a:r>
           </a:p>
           <a:p>
             <a:pPr lvl="1"/>
+            <a:r>
+              <a:rPr lang="de-CH" sz="1500" dirty="0">
+                <a:solidFill>
+                  <a:srgbClr val="222222"/>
+                </a:solidFill>
+                <a:latin typeface="Calibri" panose="020F0502020204030204" pitchFamily="34" charset="0"/>
+                <a:ea typeface="Times New Roman" panose="02020603050405020304" pitchFamily="18" charset="0"/>
+              </a:rPr>
+              <a:t>Socket.send() verschluckt den den Linefeed am Ende der Zeile </a:t>
+            </a:r>
             <a:r>
               <a:rPr lang="de-CH" sz="1500" dirty="0">
                 <a:solidFill>
@@ -4361,34 +4385,8 @@
                 <a:ea typeface="Times New Roman" panose="02020603050405020304" pitchFamily="18" charset="0"/>
                 <a:sym typeface="Wingdings" panose="05000000000000000000" pitchFamily="2" charset="2"/>
               </a:rPr>
-              <a:t>Der Timestamp musste manuell eingefügt werden</a:t>
-            </a:r>
-          </a:p>
-          <a:p>
-            <a:pPr lvl="1"/>
-            <a:r>
-              <a:rPr lang="de-CH" sz="1500" dirty="0">
-                <a:solidFill>
-                  <a:srgbClr val="222222"/>
-                </a:solidFill>
-                <a:effectLst/>
-                <a:latin typeface="Calibri" panose="020F0502020204030204" pitchFamily="34" charset="0"/>
-                <a:ea typeface="Times New Roman" panose="02020603050405020304" pitchFamily="18" charset="0"/>
-                <a:sym typeface="Wingdings" panose="05000000000000000000" pitchFamily="2" charset="2"/>
-              </a:rPr>
-              <a:t>Tweets beinhalten alle möglichen Sonderzeichen die ein Processing error generieren können  preprocessing war schon hier nötig</a:t>
-            </a:r>
-          </a:p>
-          <a:p>
-            <a:pPr lvl="1"/>
-            <a:endParaRPr lang="de-CH" sz="1500" dirty="0">
-              <a:solidFill>
-                <a:srgbClr val="222222"/>
-              </a:solidFill>
-              <a:effectLst/>
-              <a:latin typeface="Calibri" panose="020F0502020204030204" pitchFamily="34" charset="0"/>
-              <a:ea typeface="Times New Roman" panose="02020603050405020304" pitchFamily="18" charset="0"/>
-            </a:endParaRPr>
+              <a:t> alle Tweets werden in einen string geschrieben</a:t>
+            </a:r>
           </a:p>
         </p:txBody>
       </p:sp>
@@ -4422,6 +4420,42 @@
           </a:prstGeom>
         </p:spPr>
       </p:pic>
+      <p:sp>
+        <p:nvSpPr>
+          <p:cNvPr id="6" name="TextBox 5">
+            <a:extLst>
+              <a:ext uri="{FF2B5EF4-FFF2-40B4-BE49-F238E27FC236}">
+                <a16:creationId xmlns:a16="http://schemas.microsoft.com/office/drawing/2014/main" id="{4AED9D20-FA92-4E33-9678-B0BDB86677A8}"/>
+              </a:ext>
+            </a:extLst>
+          </p:cNvPr>
+          <p:cNvSpPr txBox="1"/>
+          <p:nvPr/>
+        </p:nvSpPr>
+        <p:spPr>
+          <a:xfrm>
+            <a:off x="11610807" y="102749"/>
+            <a:ext cx="490457" cy="261610"/>
+          </a:xfrm>
+          <a:prstGeom prst="rect">
+            <a:avLst/>
+          </a:prstGeom>
+          <a:noFill/>
+        </p:spPr>
+        <p:txBody>
+          <a:bodyPr wrap="square" rtlCol="0">
+            <a:spAutoFit/>
+          </a:bodyPr>
+          <a:lstStyle/>
+          <a:p>
+            <a:pPr algn="r"/>
+            <a:r>
+              <a:rPr lang="en-US" sz="1100" dirty="0"/>
+              <a:t>2’</a:t>
+            </a:r>
+          </a:p>
+        </p:txBody>
+      </p:sp>
     </p:spTree>
     <p:extLst>
       <p:ext uri="{BB962C8B-B14F-4D97-AF65-F5344CB8AC3E}">
@@ -4732,7 +4766,7 @@
                 <a:latin typeface="Calibri" panose="020F0502020204030204" pitchFamily="34" charset="0"/>
                 <a:ea typeface="Times New Roman" panose="02020603050405020304" pitchFamily="18" charset="0"/>
               </a:rPr>
-              <a:t> ca 10 min ab</a:t>
+              <a:t> ca 10 min ab (Memory Issue?)</a:t>
             </a:r>
           </a:p>
         </p:txBody>
@@ -4826,6 +4860,42 @@
           </a:prstGeom>
         </p:spPr>
       </p:pic>
+      <p:sp>
+        <p:nvSpPr>
+          <p:cNvPr id="7" name="TextBox 6">
+            <a:extLst>
+              <a:ext uri="{FF2B5EF4-FFF2-40B4-BE49-F238E27FC236}">
+                <a16:creationId xmlns:a16="http://schemas.microsoft.com/office/drawing/2014/main" id="{D84A4758-7B87-4862-86D8-C7E30B63C283}"/>
+              </a:ext>
+            </a:extLst>
+          </p:cNvPr>
+          <p:cNvSpPr txBox="1"/>
+          <p:nvPr/>
+        </p:nvSpPr>
+        <p:spPr>
+          <a:xfrm>
+            <a:off x="11610807" y="102749"/>
+            <a:ext cx="490457" cy="261610"/>
+          </a:xfrm>
+          <a:prstGeom prst="rect">
+            <a:avLst/>
+          </a:prstGeom>
+          <a:noFill/>
+        </p:spPr>
+        <p:txBody>
+          <a:bodyPr wrap="square" rtlCol="0">
+            <a:spAutoFit/>
+          </a:bodyPr>
+          <a:lstStyle/>
+          <a:p>
+            <a:pPr algn="r"/>
+            <a:r>
+              <a:rPr lang="en-US" sz="1100" dirty="0"/>
+              <a:t>2’</a:t>
+            </a:r>
+          </a:p>
+        </p:txBody>
+      </p:sp>
     </p:spTree>
     <p:extLst>
       <p:ext uri="{BB962C8B-B14F-4D97-AF65-F5344CB8AC3E}">
@@ -5556,6 +5626,42 @@
           </a:fontRef>
         </p:style>
       </p:cxnSp>
+      <p:sp>
+        <p:nvSpPr>
+          <p:cNvPr id="12" name="TextBox 11">
+            <a:extLst>
+              <a:ext uri="{FF2B5EF4-FFF2-40B4-BE49-F238E27FC236}">
+                <a16:creationId xmlns:a16="http://schemas.microsoft.com/office/drawing/2014/main" id="{F5E006C3-DB3C-4815-AFAD-FD833302FBFD}"/>
+              </a:ext>
+            </a:extLst>
+          </p:cNvPr>
+          <p:cNvSpPr txBox="1"/>
+          <p:nvPr/>
+        </p:nvSpPr>
+        <p:spPr>
+          <a:xfrm>
+            <a:off x="11610807" y="102749"/>
+            <a:ext cx="490457" cy="261610"/>
+          </a:xfrm>
+          <a:prstGeom prst="rect">
+            <a:avLst/>
+          </a:prstGeom>
+          <a:noFill/>
+        </p:spPr>
+        <p:txBody>
+          <a:bodyPr wrap="square" rtlCol="0">
+            <a:spAutoFit/>
+          </a:bodyPr>
+          <a:lstStyle/>
+          <a:p>
+            <a:pPr algn="r"/>
+            <a:r>
+              <a:rPr lang="en-US" sz="1100" dirty="0"/>
+              <a:t>2’</a:t>
+            </a:r>
+          </a:p>
+        </p:txBody>
+      </p:sp>
     </p:spTree>
     <p:extLst>
       <p:ext uri="{BB962C8B-B14F-4D97-AF65-F5344CB8AC3E}">
@@ -5649,18 +5755,21 @@
         </p:nvSpPr>
         <p:spPr>
           <a:xfrm>
-            <a:off x="581191" y="2173676"/>
-            <a:ext cx="11029615" cy="4199964"/>
+            <a:off x="581192" y="2085116"/>
+            <a:ext cx="5104385" cy="4199964"/>
           </a:xfrm>
         </p:spPr>
         <p:txBody>
           <a:bodyPr anchor="t">
-            <a:normAutofit/>
+            <a:noAutofit/>
           </a:bodyPr>
           <a:lstStyle/>
           <a:p>
-            <a:r>
-              <a:rPr lang="de-CH" sz="1800" dirty="0">
+            <a:pPr marL="0" indent="0">
+              <a:buNone/>
+            </a:pPr>
+            <a:r>
+              <a:rPr lang="de-CH" sz="1800">
                 <a:solidFill>
                   <a:srgbClr val="222222"/>
                 </a:solidFill>
@@ -5668,12 +5777,12 @@
                 <a:latin typeface="Calibri" panose="020F0502020204030204" pitchFamily="34" charset="0"/>
                 <a:ea typeface="Times New Roman" panose="02020603050405020304" pitchFamily="18" charset="0"/>
               </a:rPr>
-              <a:t>Databricks Community Edition: manchmal ist der Fehler auch nicht bei uns... Und manchmal muss man minutenlang auf Resultate vom Cluster warten</a:t>
-            </a:r>
-          </a:p>
-          <a:p>
-            <a:r>
-              <a:rPr lang="de-CH" sz="1800" dirty="0">
+              <a:t>Fazit </a:t>
+            </a:r>
+          </a:p>
+          <a:p>
+            <a:r>
+              <a:rPr lang="de-CH" sz="1600">
                 <a:solidFill>
                   <a:srgbClr val="222222"/>
                 </a:solidFill>
@@ -5681,24 +5790,23 @@
                 <a:latin typeface="Calibri" panose="020F0502020204030204" pitchFamily="34" charset="0"/>
                 <a:ea typeface="Times New Roman" panose="02020603050405020304" pitchFamily="18" charset="0"/>
               </a:rPr>
-              <a:t>Aggregated Windows auf praquet: Beschreibung im Spark streaming API 3.1 ist rudimentär</a:t>
-            </a:r>
-          </a:p>
-          <a:p>
-            <a:r>
-              <a:rPr lang="de-CH" sz="1800" dirty="0">
+              <a:t>E2E processing funktioniert im Prinzip</a:t>
+            </a:r>
+          </a:p>
+          <a:p>
+            <a:pPr lvl="1"/>
+            <a:r>
+              <a:rPr lang="de-CH">
                 <a:solidFill>
                   <a:srgbClr val="222222"/>
                 </a:solidFill>
                 <a:latin typeface="Calibri" panose="020F0502020204030204" pitchFamily="34" charset="0"/>
                 <a:ea typeface="Times New Roman" panose="02020603050405020304" pitchFamily="18" charset="0"/>
               </a:rPr>
-              <a:t>Timestamp formats: sicherstellen dass der Timestamp über die verschiedenen Stationen im richtigen Format ist/bleibt</a:t>
-            </a:r>
-          </a:p>
-          <a:p>
-            <a:r>
-              <a:rPr lang="de-CH" sz="1800" dirty="0">
+              <a:t>Einmal </a:t>
+            </a:r>
+            <a:r>
+              <a:rPr lang="de-CH">
                 <a:solidFill>
                   <a:srgbClr val="222222"/>
                 </a:solidFill>
@@ -5706,12 +5814,13 @@
                 <a:latin typeface="Calibri" panose="020F0502020204030204" pitchFamily="34" charset="0"/>
                 <a:ea typeface="Times New Roman" panose="02020603050405020304" pitchFamily="18" charset="0"/>
               </a:rPr>
-              <a:t>lines.select(split()) ist alergisch auf Linefeeds innerhalb der Texts. Aber Achtung: nicht alle entfernen: am Ende des Tweets muss er stehen bleiben.</a:t>
-            </a:r>
-          </a:p>
-          <a:p>
-            <a:r>
-              <a:rPr lang="de-CH" sz="1800" dirty="0">
+              <a:t>komplett durchgespielt</a:t>
+            </a:r>
+          </a:p>
+          <a:p>
+            <a:pPr lvl="1"/>
+            <a:r>
+              <a:rPr lang="de-CH">
                 <a:solidFill>
                   <a:srgbClr val="222222"/>
                 </a:solidFill>
@@ -5719,68 +5828,385 @@
                 <a:latin typeface="Calibri" panose="020F0502020204030204" pitchFamily="34" charset="0"/>
                 <a:ea typeface="Times New Roman" panose="02020603050405020304" pitchFamily="18" charset="0"/>
               </a:rPr>
-              <a:t>Unbedingt einfach starten und zuerst ein E2E laufenden Stream herstellen (ohne weitere Bearbeitung). Erst wenn das </a:t>
-            </a:r>
-            <a:r>
-              <a:rPr lang="de-CH" sz="1800" dirty="0">
+              <a:t>2 Probleme bleiben offen: Preis update auf Agg-Windows und Sink ins Parquet</a:t>
+            </a:r>
+          </a:p>
+          <a:p>
+            <a:endParaRPr lang="de-CH" sz="1800">
+              <a:solidFill>
+                <a:srgbClr val="222222"/>
+              </a:solidFill>
+              <a:latin typeface="Calibri" panose="020F0502020204030204" pitchFamily="34" charset="0"/>
+            </a:endParaRPr>
+          </a:p>
+          <a:p>
+            <a:r>
+              <a:rPr lang="de-CH" sz="1600">
+                <a:solidFill>
+                  <a:srgbClr val="222222"/>
+                </a:solidFill>
+                <a:latin typeface="Calibri" panose="020F0502020204030204" pitchFamily="34" charset="0"/>
+              </a:rPr>
+              <a:t>Ausblick / nächster Schritt: </a:t>
+            </a:r>
+          </a:p>
+          <a:p>
+            <a:pPr lvl="1"/>
+            <a:r>
+              <a:rPr lang="de-CH">
+                <a:solidFill>
+                  <a:srgbClr val="222222"/>
+                </a:solidFill>
+                <a:latin typeface="Calibri" panose="020F0502020204030204" pitchFamily="34" charset="0"/>
+              </a:rPr>
+              <a:t>Offene Probleme eliminieren</a:t>
+            </a:r>
+          </a:p>
+          <a:p>
+            <a:pPr lvl="1"/>
+            <a:r>
+              <a:rPr lang="de-CH">
+                <a:solidFill>
+                  <a:srgbClr val="222222"/>
+                </a:solidFill>
+                <a:latin typeface="Calibri" panose="020F0502020204030204" pitchFamily="34" charset="0"/>
+              </a:rPr>
+              <a:t>CNN von Colab auf Databricks migrieren / sparkifizieren</a:t>
+            </a:r>
+          </a:p>
+        </p:txBody>
+      </p:sp>
+      <p:sp>
+        <p:nvSpPr>
+          <p:cNvPr id="4" name="TextBox 3">
+            <a:extLst>
+              <a:ext uri="{FF2B5EF4-FFF2-40B4-BE49-F238E27FC236}">
+                <a16:creationId xmlns:a16="http://schemas.microsoft.com/office/drawing/2014/main" id="{1474F66F-FA1B-4352-98CE-0DC1E7D0110D}"/>
+              </a:ext>
+            </a:extLst>
+          </p:cNvPr>
+          <p:cNvSpPr txBox="1"/>
+          <p:nvPr/>
+        </p:nvSpPr>
+        <p:spPr>
+          <a:xfrm>
+            <a:off x="11610807" y="102749"/>
+            <a:ext cx="490457" cy="261610"/>
+          </a:xfrm>
+          <a:prstGeom prst="rect">
+            <a:avLst/>
+          </a:prstGeom>
+          <a:noFill/>
+        </p:spPr>
+        <p:txBody>
+          <a:bodyPr wrap="square" rtlCol="0">
+            <a:spAutoFit/>
+          </a:bodyPr>
+          <a:lstStyle/>
+          <a:p>
+            <a:pPr algn="r"/>
+            <a:r>
+              <a:rPr lang="en-US" sz="1100" dirty="0"/>
+              <a:t>2’</a:t>
+            </a:r>
+          </a:p>
+        </p:txBody>
+      </p:sp>
+      <p:sp>
+        <p:nvSpPr>
+          <p:cNvPr id="6" name="Content Placeholder 4">
+            <a:extLst>
+              <a:ext uri="{FF2B5EF4-FFF2-40B4-BE49-F238E27FC236}">
+                <a16:creationId xmlns:a16="http://schemas.microsoft.com/office/drawing/2014/main" id="{73EC4E9E-C0E0-4FE9-88AE-34554B816864}"/>
+              </a:ext>
+            </a:extLst>
+          </p:cNvPr>
+          <p:cNvSpPr txBox="1">
+            <a:spLocks/>
+          </p:cNvSpPr>
+          <p:nvPr/>
+        </p:nvSpPr>
+        <p:spPr>
+          <a:xfrm>
+            <a:off x="6096001" y="2085116"/>
+            <a:ext cx="4913014" cy="4199964"/>
+          </a:xfrm>
+          <a:prstGeom prst="rect">
+            <a:avLst/>
+          </a:prstGeom>
+        </p:spPr>
+        <p:txBody>
+          <a:bodyPr vert="horz" lIns="91440" tIns="45720" rIns="91440" bIns="45720" rtlCol="0" anchor="t">
+            <a:noAutofit/>
+          </a:bodyPr>
+          <a:lstStyle>
+            <a:lvl1pPr marL="306000" indent="-306000" algn="l" defTabSz="457200" rtl="0" eaLnBrk="1" latinLnBrk="0" hangingPunct="1">
+              <a:lnSpc>
+                <a:spcPct val="110000"/>
+              </a:lnSpc>
+              <a:spcBef>
+                <a:spcPct val="20000"/>
+              </a:spcBef>
+              <a:spcAft>
+                <a:spcPts val="600"/>
+              </a:spcAft>
+              <a:buClr>
+                <a:schemeClr val="accent1"/>
+              </a:buClr>
+              <a:buSzPct val="92000"/>
+              <a:buFont typeface="Wingdings 2" panose="05020102010507070707" pitchFamily="18" charset="2"/>
+              <a:buChar char=""/>
+              <a:defRPr sz="1700" kern="1200">
+                <a:solidFill>
+                  <a:schemeClr val="tx1">
+                    <a:lumMod val="75000"/>
+                    <a:lumOff val="25000"/>
+                  </a:schemeClr>
+                </a:solidFill>
+                <a:latin typeface="+mn-lt"/>
+                <a:ea typeface="+mn-ea"/>
+                <a:cs typeface="+mn-cs"/>
+              </a:defRPr>
+            </a:lvl1pPr>
+            <a:lvl2pPr marL="630000" indent="-306000" algn="l" defTabSz="457200" rtl="0" eaLnBrk="1" latinLnBrk="0" hangingPunct="1">
+              <a:spcBef>
+                <a:spcPct val="20000"/>
+              </a:spcBef>
+              <a:spcAft>
+                <a:spcPts val="600"/>
+              </a:spcAft>
+              <a:buClr>
+                <a:schemeClr val="accent1"/>
+              </a:buClr>
+              <a:buSzPct val="92000"/>
+              <a:buFont typeface="Wingdings 2" panose="05020102010507070707" pitchFamily="18" charset="2"/>
+              <a:buChar char=""/>
+              <a:defRPr sz="1400" kern="1200">
+                <a:solidFill>
+                  <a:schemeClr val="tx1">
+                    <a:lumMod val="75000"/>
+                    <a:lumOff val="25000"/>
+                  </a:schemeClr>
+                </a:solidFill>
+                <a:latin typeface="+mn-lt"/>
+                <a:ea typeface="+mn-ea"/>
+                <a:cs typeface="+mn-cs"/>
+              </a:defRPr>
+            </a:lvl2pPr>
+            <a:lvl3pPr marL="900000" indent="-270000" algn="l" defTabSz="457200" rtl="0" eaLnBrk="1" latinLnBrk="0" hangingPunct="1">
+              <a:spcBef>
+                <a:spcPct val="20000"/>
+              </a:spcBef>
+              <a:spcAft>
+                <a:spcPts val="600"/>
+              </a:spcAft>
+              <a:buClr>
+                <a:schemeClr val="accent1"/>
+              </a:buClr>
+              <a:buSzPct val="92000"/>
+              <a:buFont typeface="Wingdings 2" panose="05020102010507070707" pitchFamily="18" charset="2"/>
+              <a:buChar char=""/>
+              <a:defRPr sz="1300" kern="1200">
+                <a:solidFill>
+                  <a:schemeClr val="tx1">
+                    <a:lumMod val="75000"/>
+                    <a:lumOff val="25000"/>
+                  </a:schemeClr>
+                </a:solidFill>
+                <a:latin typeface="+mn-lt"/>
+                <a:ea typeface="+mn-ea"/>
+                <a:cs typeface="+mn-cs"/>
+              </a:defRPr>
+            </a:lvl3pPr>
+            <a:lvl4pPr marL="1242000" indent="-234000" algn="l" defTabSz="457200" rtl="0" eaLnBrk="1" latinLnBrk="0" hangingPunct="1">
+              <a:spcBef>
+                <a:spcPct val="20000"/>
+              </a:spcBef>
+              <a:spcAft>
+                <a:spcPts val="600"/>
+              </a:spcAft>
+              <a:buClr>
+                <a:schemeClr val="accent1"/>
+              </a:buClr>
+              <a:buSzPct val="92000"/>
+              <a:buFont typeface="Wingdings 2" panose="05020102010507070707" pitchFamily="18" charset="2"/>
+              <a:buChar char=""/>
+              <a:defRPr sz="1100" kern="1200">
+                <a:solidFill>
+                  <a:schemeClr val="tx1">
+                    <a:lumMod val="75000"/>
+                    <a:lumOff val="25000"/>
+                  </a:schemeClr>
+                </a:solidFill>
+                <a:latin typeface="+mn-lt"/>
+                <a:ea typeface="+mn-ea"/>
+                <a:cs typeface="+mn-cs"/>
+              </a:defRPr>
+            </a:lvl4pPr>
+            <a:lvl5pPr marL="1602000" indent="-234000" algn="l" defTabSz="457200" rtl="0" eaLnBrk="1" latinLnBrk="0" hangingPunct="1">
+              <a:spcBef>
+                <a:spcPct val="20000"/>
+              </a:spcBef>
+              <a:spcAft>
+                <a:spcPts val="600"/>
+              </a:spcAft>
+              <a:buClr>
+                <a:schemeClr val="accent1"/>
+              </a:buClr>
+              <a:buSzPct val="92000"/>
+              <a:buFont typeface="Wingdings 2" panose="05020102010507070707" pitchFamily="18" charset="2"/>
+              <a:buChar char=""/>
+              <a:defRPr sz="1100" kern="1200">
+                <a:solidFill>
+                  <a:schemeClr val="tx1">
+                    <a:lumMod val="75000"/>
+                    <a:lumOff val="25000"/>
+                  </a:schemeClr>
+                </a:solidFill>
+                <a:latin typeface="+mn-lt"/>
+                <a:ea typeface="+mn-ea"/>
+                <a:cs typeface="+mn-cs"/>
+              </a:defRPr>
+            </a:lvl5pPr>
+            <a:lvl6pPr marL="1900000" indent="-228600" algn="l" defTabSz="457200" rtl="0" eaLnBrk="1" latinLnBrk="0" hangingPunct="1">
+              <a:spcBef>
+                <a:spcPct val="20000"/>
+              </a:spcBef>
+              <a:spcAft>
+                <a:spcPts val="600"/>
+              </a:spcAft>
+              <a:buClr>
+                <a:schemeClr val="accent2"/>
+              </a:buClr>
+              <a:buSzPct val="92000"/>
+              <a:buFont typeface="Wingdings 2" panose="05020102010507070707" pitchFamily="18" charset="2"/>
+              <a:buChar char=""/>
+              <a:defRPr sz="1200" kern="1200">
+                <a:solidFill>
+                  <a:schemeClr val="tx2"/>
+                </a:solidFill>
+                <a:latin typeface="+mn-lt"/>
+                <a:ea typeface="+mn-ea"/>
+                <a:cs typeface="+mn-cs"/>
+              </a:defRPr>
+            </a:lvl6pPr>
+            <a:lvl7pPr marL="2200000" indent="-228600" algn="l" defTabSz="457200" rtl="0" eaLnBrk="1" latinLnBrk="0" hangingPunct="1">
+              <a:spcBef>
+                <a:spcPct val="20000"/>
+              </a:spcBef>
+              <a:spcAft>
+                <a:spcPts val="600"/>
+              </a:spcAft>
+              <a:buClr>
+                <a:schemeClr val="accent2"/>
+              </a:buClr>
+              <a:buSzPct val="92000"/>
+              <a:buFont typeface="Wingdings 2" panose="05020102010507070707" pitchFamily="18" charset="2"/>
+              <a:buChar char=""/>
+              <a:defRPr sz="1200" kern="1200">
+                <a:solidFill>
+                  <a:schemeClr val="tx2"/>
+                </a:solidFill>
+                <a:latin typeface="+mn-lt"/>
+                <a:ea typeface="+mn-ea"/>
+                <a:cs typeface="+mn-cs"/>
+              </a:defRPr>
+            </a:lvl7pPr>
+            <a:lvl8pPr marL="2500000" indent="-228600" algn="l" defTabSz="457200" rtl="0" eaLnBrk="1" latinLnBrk="0" hangingPunct="1">
+              <a:spcBef>
+                <a:spcPct val="20000"/>
+              </a:spcBef>
+              <a:spcAft>
+                <a:spcPts val="600"/>
+              </a:spcAft>
+              <a:buClr>
+                <a:schemeClr val="accent2"/>
+              </a:buClr>
+              <a:buSzPct val="92000"/>
+              <a:buFont typeface="Wingdings 2" panose="05020102010507070707" pitchFamily="18" charset="2"/>
+              <a:buChar char=""/>
+              <a:defRPr sz="1200" kern="1200">
+                <a:solidFill>
+                  <a:schemeClr val="tx2"/>
+                </a:solidFill>
+                <a:latin typeface="+mn-lt"/>
+                <a:ea typeface="+mn-ea"/>
+                <a:cs typeface="+mn-cs"/>
+              </a:defRPr>
+            </a:lvl8pPr>
+            <a:lvl9pPr marL="2800000" indent="-228600" algn="l" defTabSz="457200" rtl="0" eaLnBrk="1" latinLnBrk="0" hangingPunct="1">
+              <a:spcBef>
+                <a:spcPct val="20000"/>
+              </a:spcBef>
+              <a:spcAft>
+                <a:spcPts val="600"/>
+              </a:spcAft>
+              <a:buClr>
+                <a:schemeClr val="accent2"/>
+              </a:buClr>
+              <a:buSzPct val="92000"/>
+              <a:buFont typeface="Wingdings 2" panose="05020102010507070707" pitchFamily="18" charset="2"/>
+              <a:buChar char=""/>
+              <a:defRPr sz="1200" kern="1200">
+                <a:solidFill>
+                  <a:schemeClr val="tx2"/>
+                </a:solidFill>
+                <a:latin typeface="+mn-lt"/>
+                <a:ea typeface="+mn-ea"/>
+                <a:cs typeface="+mn-cs"/>
+              </a:defRPr>
+            </a:lvl9pPr>
+          </a:lstStyle>
+          <a:p>
+            <a:pPr marL="0" indent="0">
+              <a:buNone/>
+            </a:pPr>
+            <a:r>
+              <a:rPr lang="de-CH" sz="1900" dirty="0">
                 <a:solidFill>
                   <a:srgbClr val="222222"/>
                 </a:solidFill>
                 <a:latin typeface="Calibri" panose="020F0502020204030204" pitchFamily="34" charset="0"/>
                 <a:ea typeface="Times New Roman" panose="02020603050405020304" pitchFamily="18" charset="0"/>
               </a:rPr>
-              <a:t>läuft</a:t>
-            </a:r>
-            <a:r>
-              <a:rPr lang="de-CH" sz="1800" dirty="0">
+              <a:t>Learnings</a:t>
+            </a:r>
+          </a:p>
+          <a:p>
+            <a:r>
+              <a:rPr lang="de-CH" sz="1600" dirty="0">
                 <a:solidFill>
                   <a:srgbClr val="222222"/>
                 </a:solidFill>
-                <a:effectLst/>
                 <a:latin typeface="Calibri" panose="020F0502020204030204" pitchFamily="34" charset="0"/>
                 <a:ea typeface="Times New Roman" panose="02020603050405020304" pitchFamily="18" charset="0"/>
               </a:rPr>
-              <a:t>, Schritt für Schritt Funktionen einfügen</a:t>
-            </a:r>
-          </a:p>
-          <a:p>
-            <a:r>
-              <a:rPr lang="en-US" dirty="0" err="1"/>
-              <a:t>Ausblick</a:t>
-            </a:r>
-            <a:r>
-              <a:rPr lang="en-US" dirty="0"/>
-              <a:t> / </a:t>
-            </a:r>
-            <a:r>
-              <a:rPr lang="en-US" dirty="0" err="1"/>
-              <a:t>nächster</a:t>
-            </a:r>
-            <a:r>
-              <a:rPr lang="en-US" dirty="0"/>
-              <a:t> Schritt: CNN von </a:t>
-            </a:r>
-            <a:r>
-              <a:rPr lang="en-US" dirty="0" err="1"/>
-              <a:t>Colab</a:t>
-            </a:r>
-            <a:r>
-              <a:rPr lang="en-US" dirty="0"/>
-              <a:t> auf Databricks </a:t>
-            </a:r>
-            <a:r>
-              <a:rPr lang="en-US" dirty="0" err="1"/>
-              <a:t>migrieren</a:t>
-            </a:r>
-            <a:r>
-              <a:rPr lang="en-US" dirty="0"/>
-              <a:t> / </a:t>
-            </a:r>
-            <a:r>
-              <a:rPr lang="en-US" dirty="0" err="1"/>
-              <a:t>sparkifizieren</a:t>
-            </a:r>
-            <a:endParaRPr lang="en-US" dirty="0"/>
+              <a:t>Databricks Community Edition: manchmal ist der Fehler auch nicht bei uns... Und manchmal muss man minutenlang auf Resultate vom Cluster warten</a:t>
+            </a:r>
+          </a:p>
+          <a:p>
+            <a:r>
+              <a:rPr lang="de-CH" sz="1600" dirty="0">
+                <a:solidFill>
+                  <a:srgbClr val="222222"/>
+                </a:solidFill>
+                <a:latin typeface="Calibri" panose="020F0502020204030204" pitchFamily="34" charset="0"/>
+                <a:ea typeface="Times New Roman" panose="02020603050405020304" pitchFamily="18" charset="0"/>
+              </a:rPr>
+              <a:t>Aggregated Windows auf parquet: Beschreibung im Spark streaming API 3.1 ist rudimentär</a:t>
+            </a:r>
+          </a:p>
+          <a:p>
+            <a:r>
+              <a:rPr lang="de-CH" sz="1600" dirty="0">
+                <a:solidFill>
+                  <a:srgbClr val="222222"/>
+                </a:solidFill>
+                <a:latin typeface="Calibri" panose="020F0502020204030204" pitchFamily="34" charset="0"/>
+                <a:ea typeface="Times New Roman" panose="02020603050405020304" pitchFamily="18" charset="0"/>
+              </a:rPr>
+              <a:t>Unbedingt einfach starten und zuerst ein E2E laufenden Stream herstellen (ohne weitere Bearbeitung). Erst wenn das läuft, Schritt für Schritt Funktionen einfügen</a:t>
+            </a:r>
           </a:p>
         </p:txBody>
       </p:sp>
@@ -5889,17 +6315,26 @@
         </p:nvSpPr>
         <p:spPr>
           <a:xfrm>
-            <a:off x="581192" y="2173676"/>
+            <a:off x="733409" y="2174520"/>
             <a:ext cx="4878048" cy="4118482"/>
           </a:xfrm>
         </p:spPr>
         <p:txBody>
-          <a:bodyPr>
-            <a:normAutofit lnSpcReduction="10000"/>
+          <a:bodyPr anchor="t">
+            <a:noAutofit/>
           </a:bodyPr>
           <a:lstStyle/>
           <a:p>
             <a:pPr marL="0" indent="0">
+              <a:lnSpc>
+                <a:spcPct val="100000"/>
+              </a:lnSpc>
+              <a:spcBef>
+                <a:spcPts val="600"/>
+              </a:spcBef>
+              <a:spcAft>
+                <a:spcPts val="0"/>
+              </a:spcAft>
               <a:buNone/>
             </a:pPr>
             <a:r>
@@ -5915,6 +6350,17 @@
             </a:r>
           </a:p>
           <a:p>
+            <a:pPr>
+              <a:lnSpc>
+                <a:spcPct val="100000"/>
+              </a:lnSpc>
+              <a:spcBef>
+                <a:spcPts val="600"/>
+              </a:spcBef>
+              <a:spcAft>
+                <a:spcPts val="0"/>
+              </a:spcAft>
+            </a:pPr>
             <a:r>
               <a:rPr lang="de-CH" sz="1800" dirty="0">
                 <a:solidFill>
@@ -5928,6 +6374,17 @@
             </a:r>
           </a:p>
           <a:p>
+            <a:pPr>
+              <a:lnSpc>
+                <a:spcPct val="100000"/>
+              </a:lnSpc>
+              <a:spcBef>
+                <a:spcPts val="600"/>
+              </a:spcBef>
+              <a:spcAft>
+                <a:spcPts val="0"/>
+              </a:spcAft>
+            </a:pPr>
             <a:r>
               <a:rPr lang="de-CH" sz="1800" dirty="0">
                 <a:solidFill>
@@ -5941,6 +6398,17 @@
             </a:r>
           </a:p>
           <a:p>
+            <a:pPr>
+              <a:lnSpc>
+                <a:spcPct val="100000"/>
+              </a:lnSpc>
+              <a:spcBef>
+                <a:spcPts val="600"/>
+              </a:spcBef>
+              <a:spcAft>
+                <a:spcPts val="0"/>
+              </a:spcAft>
+            </a:pPr>
             <a:r>
               <a:rPr lang="de-CH" sz="1800" dirty="0">
                 <a:solidFill>
@@ -5954,6 +6422,17 @@
             </a:r>
           </a:p>
           <a:p>
+            <a:pPr>
+              <a:lnSpc>
+                <a:spcPct val="100000"/>
+              </a:lnSpc>
+              <a:spcBef>
+                <a:spcPts val="600"/>
+              </a:spcBef>
+              <a:spcAft>
+                <a:spcPts val="0"/>
+              </a:spcAft>
+            </a:pPr>
             <a:r>
               <a:rPr lang="de-CH" sz="1800" dirty="0">
                 <a:solidFill>
@@ -5968,6 +6447,15 @@
           </a:p>
           <a:p>
             <a:pPr marL="0" indent="0">
+              <a:lnSpc>
+                <a:spcPct val="100000"/>
+              </a:lnSpc>
+              <a:spcBef>
+                <a:spcPts val="600"/>
+              </a:spcBef>
+              <a:spcAft>
+                <a:spcPts val="0"/>
+              </a:spcAft>
               <a:buNone/>
             </a:pPr>
             <a:endParaRPr lang="de-CH" sz="1800" dirty="0">
@@ -5981,6 +6469,15 @@
           </a:p>
           <a:p>
             <a:pPr marL="0" indent="0">
+              <a:lnSpc>
+                <a:spcPct val="100000"/>
+              </a:lnSpc>
+              <a:spcBef>
+                <a:spcPts val="600"/>
+              </a:spcBef>
+              <a:spcAft>
+                <a:spcPts val="0"/>
+              </a:spcAft>
               <a:buNone/>
             </a:pPr>
             <a:r>
@@ -5996,6 +6493,17 @@
             </a:r>
           </a:p>
           <a:p>
+            <a:pPr>
+              <a:lnSpc>
+                <a:spcPct val="100000"/>
+              </a:lnSpc>
+              <a:spcBef>
+                <a:spcPts val="600"/>
+              </a:spcBef>
+              <a:spcAft>
+                <a:spcPts val="0"/>
+              </a:spcAft>
+            </a:pPr>
             <a:r>
               <a:rPr lang="de-CH" sz="1800" dirty="0">
                 <a:solidFill>
@@ -6109,6 +6617,42 @@
           </a:p>
           <a:p>
             <a:endParaRPr lang="en-US" sz="700" dirty="0"/>
+          </a:p>
+        </p:txBody>
+      </p:sp>
+      <p:sp>
+        <p:nvSpPr>
+          <p:cNvPr id="3" name="TextBox 2">
+            <a:extLst>
+              <a:ext uri="{FF2B5EF4-FFF2-40B4-BE49-F238E27FC236}">
+                <a16:creationId xmlns:a16="http://schemas.microsoft.com/office/drawing/2014/main" id="{4B85A1CE-4436-43E9-8CD6-248E5D900A8E}"/>
+              </a:ext>
+            </a:extLst>
+          </p:cNvPr>
+          <p:cNvSpPr txBox="1"/>
+          <p:nvPr/>
+        </p:nvSpPr>
+        <p:spPr>
+          <a:xfrm>
+            <a:off x="11610807" y="102749"/>
+            <a:ext cx="490457" cy="261610"/>
+          </a:xfrm>
+          <a:prstGeom prst="rect">
+            <a:avLst/>
+          </a:prstGeom>
+          <a:noFill/>
+        </p:spPr>
+        <p:txBody>
+          <a:bodyPr wrap="square" rtlCol="0">
+            <a:spAutoFit/>
+          </a:bodyPr>
+          <a:lstStyle/>
+          <a:p>
+            <a:pPr algn="r"/>
+            <a:r>
+              <a:rPr lang="en-US" sz="1100" dirty="0"/>
+              <a:t>1’</a:t>
+            </a:r>
           </a:p>
         </p:txBody>
       </p:sp>
@@ -6291,8 +6835,8 @@
         </p:nvSpPr>
         <p:spPr>
           <a:xfrm>
-            <a:off x="3247894" y="2426332"/>
-            <a:ext cx="1744663" cy="334979"/>
+            <a:off x="3243796" y="2426332"/>
+            <a:ext cx="1748761" cy="334979"/>
           </a:xfrm>
           <a:prstGeom prst="rect">
             <a:avLst/>
@@ -6919,7 +7463,7 @@
               <a:buChar char="•"/>
             </a:pPr>
             <a:r>
-              <a:rPr lang="en-US" sz="1100" b="1" dirty="0">
+              <a:rPr lang="en-US" sz="1100" dirty="0">
                 <a:solidFill>
                   <a:schemeClr val="tx1"/>
                 </a:solidFill>
@@ -6927,7 +7471,7 @@
               <a:t>Apply Sentiment analysis (</a:t>
             </a:r>
             <a:r>
-              <a:rPr lang="en-US" sz="1100" b="1" dirty="0" err="1">
+              <a:rPr lang="en-US" sz="1100" dirty="0" err="1">
                 <a:solidFill>
                   <a:schemeClr val="tx1"/>
                 </a:solidFill>
@@ -6935,7 +7479,7 @@
               <a:t>Textblob</a:t>
             </a:r>
             <a:r>
-              <a:rPr lang="en-US" sz="1100" b="1" dirty="0">
+              <a:rPr lang="en-US" sz="1100" dirty="0">
                 <a:solidFill>
                   <a:schemeClr val="tx1"/>
                 </a:solidFill>
@@ -7533,7 +8077,7 @@
           <p:nvPr/>
         </p:nvSpPr>
         <p:spPr>
-          <a:xfrm rot="21031898">
+          <a:xfrm rot="21111538">
             <a:off x="2524245" y="4710041"/>
             <a:ext cx="817853" cy="261610"/>
           </a:xfrm>
@@ -7555,6 +8099,42 @@
             <a:r>
               <a:rPr lang="en-US" sz="1050" dirty="0"/>
               <a:t>()</a:t>
+            </a:r>
+          </a:p>
+        </p:txBody>
+      </p:sp>
+      <p:sp>
+        <p:nvSpPr>
+          <p:cNvPr id="30" name="TextBox 29">
+            <a:extLst>
+              <a:ext uri="{FF2B5EF4-FFF2-40B4-BE49-F238E27FC236}">
+                <a16:creationId xmlns:a16="http://schemas.microsoft.com/office/drawing/2014/main" id="{9BF21C7D-06E1-4033-82BC-4FFA2E0A8039}"/>
+              </a:ext>
+            </a:extLst>
+          </p:cNvPr>
+          <p:cNvSpPr txBox="1"/>
+          <p:nvPr/>
+        </p:nvSpPr>
+        <p:spPr>
+          <a:xfrm>
+            <a:off x="11610807" y="102749"/>
+            <a:ext cx="490457" cy="261610"/>
+          </a:xfrm>
+          <a:prstGeom prst="rect">
+            <a:avLst/>
+          </a:prstGeom>
+          <a:noFill/>
+        </p:spPr>
+        <p:txBody>
+          <a:bodyPr wrap="square" rtlCol="0">
+            <a:spAutoFit/>
+          </a:bodyPr>
+          <a:lstStyle/>
+          <a:p>
+            <a:pPr algn="r"/>
+            <a:r>
+              <a:rPr lang="en-US" sz="1100" dirty="0"/>
+              <a:t>2’</a:t>
             </a:r>
           </a:p>
         </p:txBody>
@@ -7715,16 +8295,27 @@
         </p:nvSpPr>
         <p:spPr>
           <a:xfrm>
-            <a:off x="581191" y="2173676"/>
-            <a:ext cx="5103283" cy="4199964"/>
+            <a:off x="581191" y="2018923"/>
+            <a:ext cx="5710967" cy="4354717"/>
           </a:xfrm>
         </p:spPr>
         <p:txBody>
           <a:bodyPr anchor="t">
-            <a:normAutofit fontScale="92500" lnSpcReduction="20000"/>
+            <a:noAutofit/>
           </a:bodyPr>
           <a:lstStyle/>
           <a:p>
+            <a:pPr>
+              <a:lnSpc>
+                <a:spcPct val="100000"/>
+              </a:lnSpc>
+              <a:spcBef>
+                <a:spcPts val="600"/>
+              </a:spcBef>
+              <a:spcAft>
+                <a:spcPts val="0"/>
+              </a:spcAft>
+            </a:pPr>
             <a:r>
               <a:rPr lang="de-CH" sz="1800" b="1" dirty="0">
                 <a:solidFill>
@@ -7747,6 +8338,17 @@
             </a:r>
           </a:p>
           <a:p>
+            <a:pPr>
+              <a:lnSpc>
+                <a:spcPct val="100000"/>
+              </a:lnSpc>
+              <a:spcBef>
+                <a:spcPts val="600"/>
+              </a:spcBef>
+              <a:spcAft>
+                <a:spcPts val="0"/>
+              </a:spcAft>
+            </a:pPr>
             <a:r>
               <a:rPr lang="de-CH" sz="1800" dirty="0">
                 <a:solidFill>
@@ -7759,6 +8361,17 @@
             </a:r>
           </a:p>
           <a:p>
+            <a:pPr>
+              <a:lnSpc>
+                <a:spcPct val="100000"/>
+              </a:lnSpc>
+              <a:spcBef>
+                <a:spcPts val="600"/>
+              </a:spcBef>
+              <a:spcAft>
+                <a:spcPts val="0"/>
+              </a:spcAft>
+            </a:pPr>
             <a:r>
               <a:rPr lang="de-CH" sz="1800" dirty="0">
                 <a:solidFill>
@@ -7771,6 +8384,17 @@
             </a:r>
           </a:p>
           <a:p>
+            <a:pPr>
+              <a:lnSpc>
+                <a:spcPct val="100000"/>
+              </a:lnSpc>
+              <a:spcBef>
+                <a:spcPts val="600"/>
+              </a:spcBef>
+              <a:spcAft>
+                <a:spcPts val="0"/>
+              </a:spcAft>
+            </a:pPr>
             <a:r>
               <a:rPr lang="de-CH" sz="1800" dirty="0">
                 <a:solidFill>
@@ -7783,6 +8407,17 @@
             </a:r>
           </a:p>
           <a:p>
+            <a:pPr>
+              <a:lnSpc>
+                <a:spcPct val="100000"/>
+              </a:lnSpc>
+              <a:spcBef>
+                <a:spcPts val="600"/>
+              </a:spcBef>
+              <a:spcAft>
+                <a:spcPts val="0"/>
+              </a:spcAft>
+            </a:pPr>
             <a:r>
               <a:rPr lang="de-CH" sz="1800" dirty="0">
                 <a:solidFill>
@@ -7796,9 +8431,16 @@
             </a:r>
           </a:p>
           <a:p>
-            <a:pPr lvl="1"/>
-            <a:r>
-              <a:rPr lang="de-CH" sz="1500" dirty="0">
+            <a:pPr lvl="1">
+              <a:spcBef>
+                <a:spcPts val="600"/>
+              </a:spcBef>
+              <a:spcAft>
+                <a:spcPts val="0"/>
+              </a:spcAft>
+            </a:pPr>
+            <a:r>
+              <a:rPr lang="de-CH" sz="1600" dirty="0">
                 <a:solidFill>
                   <a:srgbClr val="222222"/>
                 </a:solidFill>
@@ -7810,9 +8452,16 @@
             </a:r>
           </a:p>
           <a:p>
-            <a:pPr lvl="1"/>
-            <a:r>
-              <a:rPr lang="de-CH" sz="1500" dirty="0">
+            <a:pPr lvl="1">
+              <a:spcBef>
+                <a:spcPts val="600"/>
+              </a:spcBef>
+              <a:spcAft>
+                <a:spcPts val="0"/>
+              </a:spcAft>
+            </a:pPr>
+            <a:r>
+              <a:rPr lang="de-CH" sz="1600" dirty="0">
                 <a:solidFill>
                   <a:srgbClr val="222222"/>
                 </a:solidFill>
@@ -7824,9 +8473,16 @@
             </a:r>
           </a:p>
           <a:p>
-            <a:pPr lvl="1"/>
-            <a:r>
-              <a:rPr lang="de-CH" sz="1500" dirty="0">
+            <a:pPr lvl="1">
+              <a:spcBef>
+                <a:spcPts val="600"/>
+              </a:spcBef>
+              <a:spcAft>
+                <a:spcPts val="0"/>
+              </a:spcAft>
+            </a:pPr>
+            <a:r>
+              <a:rPr lang="de-CH" sz="1600" dirty="0">
                 <a:solidFill>
                   <a:srgbClr val="222222"/>
                 </a:solidFill>
@@ -7835,17 +8491,6 @@
               </a:rPr>
               <a:t>Formatierungsprobleme auf Spark zwangen uns zudem die neutralen Tweets zu eliminieren</a:t>
             </a:r>
-          </a:p>
-          <a:p>
-            <a:pPr lvl="1"/>
-            <a:endParaRPr lang="de-CH" sz="1800" dirty="0">
-              <a:solidFill>
-                <a:srgbClr val="222222"/>
-              </a:solidFill>
-              <a:effectLst/>
-              <a:latin typeface="Calibri" panose="020F0502020204030204" pitchFamily="34" charset="0"/>
-              <a:ea typeface="Times New Roman" panose="02020603050405020304" pitchFamily="18" charset="0"/>
-            </a:endParaRPr>
           </a:p>
         </p:txBody>
       </p:sp>
@@ -7901,7 +8546,7 @@
         </p:blipFill>
         <p:spPr>
           <a:xfrm>
-            <a:off x="6507526" y="2616529"/>
+            <a:off x="6507526" y="2661794"/>
             <a:ext cx="2851048" cy="1700166"/>
           </a:xfrm>
           <a:prstGeom prst="rect">
@@ -7931,7 +8576,7 @@
         </p:blipFill>
         <p:spPr>
           <a:xfrm>
-            <a:off x="5864376" y="4697018"/>
+            <a:off x="6507526" y="4584663"/>
             <a:ext cx="5217127" cy="1849505"/>
           </a:xfrm>
           <a:prstGeom prst="rect">
@@ -7979,6 +8624,42 @@
           </a:ln>
         </p:spPr>
       </p:pic>
+      <p:sp>
+        <p:nvSpPr>
+          <p:cNvPr id="9" name="TextBox 8">
+            <a:extLst>
+              <a:ext uri="{FF2B5EF4-FFF2-40B4-BE49-F238E27FC236}">
+                <a16:creationId xmlns:a16="http://schemas.microsoft.com/office/drawing/2014/main" id="{696A1F73-21B9-43A9-90C6-AC5C5CFDC4BC}"/>
+              </a:ext>
+            </a:extLst>
+          </p:cNvPr>
+          <p:cNvSpPr txBox="1"/>
+          <p:nvPr/>
+        </p:nvSpPr>
+        <p:spPr>
+          <a:xfrm>
+            <a:off x="11610807" y="102749"/>
+            <a:ext cx="490457" cy="261610"/>
+          </a:xfrm>
+          <a:prstGeom prst="rect">
+            <a:avLst/>
+          </a:prstGeom>
+          <a:noFill/>
+        </p:spPr>
+        <p:txBody>
+          <a:bodyPr wrap="square" rtlCol="0">
+            <a:spAutoFit/>
+          </a:bodyPr>
+          <a:lstStyle/>
+          <a:p>
+            <a:pPr algn="r"/>
+            <a:r>
+              <a:rPr lang="en-US" sz="1100" dirty="0"/>
+              <a:t>2’</a:t>
+            </a:r>
+          </a:p>
+        </p:txBody>
+      </p:sp>
     </p:spTree>
     <p:extLst>
       <p:ext uri="{BB962C8B-B14F-4D97-AF65-F5344CB8AC3E}">
@@ -8055,6 +8736,22 @@
               <a:rPr lang="en-US" dirty="0" err="1"/>
               <a:t>textblob</a:t>
             </a:r>
+            <a:r>
+              <a:rPr lang="en-US" dirty="0"/>
+              <a:t> &amp; Bitcoin </a:t>
+            </a:r>
+            <a:r>
+              <a:rPr lang="en-US" dirty="0" err="1"/>
+              <a:t>Preis</a:t>
+            </a:r>
+            <a:r>
+              <a:rPr lang="en-US" dirty="0"/>
+              <a:t> </a:t>
+            </a:r>
+            <a:r>
+              <a:rPr lang="en-US" dirty="0" err="1"/>
+              <a:t>scrapen</a:t>
+            </a:r>
             <a:endParaRPr lang="en-US" dirty="0"/>
           </a:p>
         </p:txBody>
@@ -8083,12 +8780,12 @@
         </p:spPr>
         <p:txBody>
           <a:bodyPr anchor="t">
-            <a:normAutofit/>
+            <a:noAutofit/>
           </a:bodyPr>
           <a:lstStyle/>
           <a:p>
             <a:r>
-              <a:rPr lang="de-CH" sz="1800" dirty="0">
+              <a:rPr lang="de-CH" sz="1600" dirty="0">
                 <a:solidFill>
                   <a:srgbClr val="222222"/>
                 </a:solidFill>
@@ -8101,7 +8798,7 @@
           </a:p>
           <a:p>
             <a:r>
-              <a:rPr lang="de-CH" sz="1800" dirty="0">
+              <a:rPr lang="de-CH" sz="1600" dirty="0">
                 <a:solidFill>
                   <a:srgbClr val="222222"/>
                 </a:solidFill>
@@ -8114,7 +8811,7 @@
           </a:p>
           <a:p>
             <a:r>
-              <a:rPr lang="de-CH" sz="1800" dirty="0">
+              <a:rPr lang="de-CH" sz="1600" dirty="0">
                 <a:solidFill>
                   <a:srgbClr val="222222"/>
                 </a:solidFill>
@@ -8122,11 +8819,34 @@
                 <a:latin typeface="Calibri" panose="020F0502020204030204" pitchFamily="34" charset="0"/>
                 <a:ea typeface="Times New Roman" panose="02020603050405020304" pitchFamily="18" charset="0"/>
               </a:rPr>
-              <a:t>Oft haben die Tweets gar nicht ein spezifisches Sentiment (eher Informationscharakter) </a:t>
-            </a:r>
-          </a:p>
-          <a:p>
-            <a:endParaRPr lang="en-US" sz="1800" dirty="0"/>
+              <a:t>Oft haben die Tweets gar nicht ein spezifisches Sentiment (eher Informationscharakter)</a:t>
+            </a:r>
+          </a:p>
+          <a:p>
+            <a:endParaRPr lang="de-CH" sz="1600" dirty="0">
+              <a:solidFill>
+                <a:srgbClr val="222222"/>
+              </a:solidFill>
+              <a:effectLst/>
+              <a:latin typeface="Calibri" panose="020F0502020204030204" pitchFamily="34" charset="0"/>
+              <a:ea typeface="Times New Roman" panose="02020603050405020304" pitchFamily="18" charset="0"/>
+            </a:endParaRPr>
+          </a:p>
+          <a:p>
+            <a:r>
+              <a:rPr lang="de-CH" sz="1600" dirty="0">
+                <a:solidFill>
+                  <a:srgbClr val="222222"/>
+                </a:solidFill>
+                <a:effectLst/>
+                <a:latin typeface="Calibri" panose="020F0502020204030204" pitchFamily="34" charset="0"/>
+                <a:ea typeface="Times New Roman" panose="02020603050405020304" pitchFamily="18" charset="0"/>
+              </a:rPr>
+              <a:t>Preis von der Webpage CoinMarketCap aus JSON Struktur scrapen mit Beautifulsoup (6’’ Fenster)</a:t>
+            </a:r>
+          </a:p>
+          <a:p>
+            <a:endParaRPr lang="en-US" sz="1600" dirty="0"/>
           </a:p>
         </p:txBody>
       </p:sp>
@@ -9122,6 +9842,42 @@
           <a:p>
             <a:pPr algn="ctr"/>
             <a:endParaRPr lang="en-US"/>
+          </a:p>
+        </p:txBody>
+      </p:sp>
+      <p:sp>
+        <p:nvSpPr>
+          <p:cNvPr id="24" name="TextBox 23">
+            <a:extLst>
+              <a:ext uri="{FF2B5EF4-FFF2-40B4-BE49-F238E27FC236}">
+                <a16:creationId xmlns:a16="http://schemas.microsoft.com/office/drawing/2014/main" id="{94D0A72C-59D9-4B0D-B760-E6002A3D3BCB}"/>
+              </a:ext>
+            </a:extLst>
+          </p:cNvPr>
+          <p:cNvSpPr txBox="1"/>
+          <p:nvPr/>
+        </p:nvSpPr>
+        <p:spPr>
+          <a:xfrm>
+            <a:off x="11610807" y="102749"/>
+            <a:ext cx="490457" cy="261610"/>
+          </a:xfrm>
+          <a:prstGeom prst="rect">
+            <a:avLst/>
+          </a:prstGeom>
+          <a:noFill/>
+        </p:spPr>
+        <p:txBody>
+          <a:bodyPr wrap="square" rtlCol="0">
+            <a:spAutoFit/>
+          </a:bodyPr>
+          <a:lstStyle/>
+          <a:p>
+            <a:pPr algn="r"/>
+            <a:r>
+              <a:rPr lang="en-US" sz="1100" dirty="0"/>
+              <a:t>1’</a:t>
+            </a:r>
           </a:p>
         </p:txBody>
       </p:sp>
@@ -9252,7 +10008,7 @@
                 <a:latin typeface="Calibri" panose="020F0502020204030204" pitchFamily="34" charset="0"/>
                 <a:ea typeface="Times New Roman" panose="02020603050405020304" pitchFamily="18" charset="0"/>
               </a:rPr>
-              <a:t>Supervized data erstellt mit twython API Stream und via Textblob gelabled (25000 Tweets auf Github)</a:t>
+              <a:t>Supervized data erstellt mit twython API Stream und via Textblob gelabled (25000 Tweets gespeichert auf Github)</a:t>
             </a:r>
             <a:endParaRPr lang="de-CH" sz="1800" dirty="0">
               <a:solidFill>
@@ -9297,17 +10053,6 @@
               </a:rPr>
               <a:t>erstellt und traininert (Transfer auf Databricks hat zeitlich nicht mehr gereicht)</a:t>
             </a:r>
-          </a:p>
-          <a:p>
-            <a:pPr lvl="1"/>
-            <a:endParaRPr lang="de-CH" sz="1600" dirty="0">
-              <a:solidFill>
-                <a:srgbClr val="222222"/>
-              </a:solidFill>
-              <a:effectLst/>
-              <a:latin typeface="Calibri" panose="020F0502020204030204" pitchFamily="34" charset="0"/>
-              <a:ea typeface="Times New Roman" panose="02020603050405020304" pitchFamily="18" charset="0"/>
-            </a:endParaRPr>
           </a:p>
         </p:txBody>
       </p:sp>
@@ -9485,10 +10230,10 @@
       </p:sp>
       <p:grpSp>
         <p:nvGrpSpPr>
-          <p:cNvPr id="24" name="Group 23">
-            <a:extLst>
-              <a:ext uri="{FF2B5EF4-FFF2-40B4-BE49-F238E27FC236}">
-                <a16:creationId xmlns:a16="http://schemas.microsoft.com/office/drawing/2014/main" id="{816CCEC8-92E1-43F1-9C83-2D20D591EDA2}"/>
+          <p:cNvPr id="3" name="Group 2">
+            <a:extLst>
+              <a:ext uri="{FF2B5EF4-FFF2-40B4-BE49-F238E27FC236}">
+                <a16:creationId xmlns:a16="http://schemas.microsoft.com/office/drawing/2014/main" id="{A082EF8F-7112-41EC-9F43-2633B39779AF}"/>
               </a:ext>
             </a:extLst>
           </p:cNvPr>
@@ -9497,10 +10242,10 @@
         </p:nvGrpSpPr>
         <p:grpSpPr>
           <a:xfrm>
-            <a:off x="9204617" y="5087198"/>
-            <a:ext cx="2316894" cy="1134248"/>
-            <a:chOff x="4958549" y="5030648"/>
-            <a:chExt cx="2316894" cy="1134248"/>
+            <a:off x="9200244" y="5065557"/>
+            <a:ext cx="2321267" cy="1235655"/>
+            <a:chOff x="9200244" y="5065557"/>
+            <a:chExt cx="2321267" cy="1235655"/>
           </a:xfrm>
         </p:grpSpPr>
         <p:pic>
@@ -9524,7 +10269,7 @@
           </p:blipFill>
           <p:spPr>
             <a:xfrm>
-              <a:off x="5215786" y="5247016"/>
+              <a:off x="9461854" y="5303566"/>
               <a:ext cx="2059657" cy="897961"/>
             </a:xfrm>
             <a:prstGeom prst="rect">
@@ -9545,8 +10290,8 @@
             <p:nvPr/>
           </p:nvSpPr>
           <p:spPr>
-            <a:xfrm rot="16200000">
-              <a:off x="4644179" y="5588916"/>
+            <a:xfrm>
+              <a:off x="10409833" y="5065557"/>
               <a:ext cx="890350" cy="261610"/>
             </a:xfrm>
             <a:prstGeom prst="rect">
@@ -9581,9 +10326,9 @@
             <p:nvPr/>
           </p:nvSpPr>
           <p:spPr>
-            <a:xfrm>
-              <a:off x="6045342" y="5030648"/>
-              <a:ext cx="890350" cy="261610"/>
+            <a:xfrm rot="16200000">
+              <a:off x="8922088" y="5761446"/>
+              <a:ext cx="817922" cy="261610"/>
             </a:xfrm>
             <a:prstGeom prst="rect">
               <a:avLst/>
@@ -9650,6 +10395,42 @@
           </a:fontRef>
         </p:style>
       </p:cxnSp>
+      <p:sp>
+        <p:nvSpPr>
+          <p:cNvPr id="16" name="TextBox 15">
+            <a:extLst>
+              <a:ext uri="{FF2B5EF4-FFF2-40B4-BE49-F238E27FC236}">
+                <a16:creationId xmlns:a16="http://schemas.microsoft.com/office/drawing/2014/main" id="{16B8BC2C-6CC4-49E8-A572-C9FB0AB9EF75}"/>
+              </a:ext>
+            </a:extLst>
+          </p:cNvPr>
+          <p:cNvSpPr txBox="1"/>
+          <p:nvPr/>
+        </p:nvSpPr>
+        <p:spPr>
+          <a:xfrm>
+            <a:off x="11610807" y="102749"/>
+            <a:ext cx="490457" cy="261610"/>
+          </a:xfrm>
+          <a:prstGeom prst="rect">
+            <a:avLst/>
+          </a:prstGeom>
+          <a:noFill/>
+        </p:spPr>
+        <p:txBody>
+          <a:bodyPr wrap="square" rtlCol="0">
+            <a:spAutoFit/>
+          </a:bodyPr>
+          <a:lstStyle/>
+          <a:p>
+            <a:pPr algn="r"/>
+            <a:r>
+              <a:rPr lang="en-US" sz="1100" dirty="0"/>
+              <a:t>3’</a:t>
+            </a:r>
+          </a:p>
+        </p:txBody>
+      </p:sp>
     </p:spTree>
     <p:extLst>
       <p:ext uri="{BB962C8B-B14F-4D97-AF65-F5344CB8AC3E}">
@@ -9746,7 +10527,7 @@
           <a:lstStyle/>
           <a:p>
             <a:r>
-              <a:rPr lang="de-CH" sz="1800" dirty="0">
+              <a:rPr lang="de-CH" sz="1800" b="1" dirty="0">
                 <a:solidFill>
                   <a:srgbClr val="222222"/>
                 </a:solidFill>
@@ -9754,7 +10535,7 @@
                 <a:latin typeface="Calibri" panose="020F0502020204030204" pitchFamily="34" charset="0"/>
                 <a:ea typeface="Times New Roman" panose="02020603050405020304" pitchFamily="18" charset="0"/>
               </a:rPr>
-              <a:t>Learnings:</a:t>
+              <a:t>Learnings</a:t>
             </a:r>
           </a:p>
           <a:p>
@@ -10090,14 +10871,14 @@
           </a:lstStyle>
           <a:p>
             <a:r>
-              <a:rPr lang="de-CH" sz="1800" dirty="0">
+              <a:rPr lang="de-CH" sz="1800" b="1" dirty="0">
                 <a:solidFill>
                   <a:srgbClr val="222222"/>
                 </a:solidFill>
                 <a:latin typeface="Calibri" panose="020F0502020204030204" pitchFamily="34" charset="0"/>
                 <a:ea typeface="Times New Roman" panose="02020603050405020304" pitchFamily="18" charset="0"/>
               </a:rPr>
-              <a:t>Next Steps:</a:t>
+              <a:t>Next Steps</a:t>
             </a:r>
           </a:p>
           <a:p>
@@ -10153,7 +10934,56 @@
             </a:r>
           </a:p>
           <a:p>
+            <a:pPr lvl="1"/>
+            <a:r>
+              <a:rPr lang="de-CH" sz="1600" dirty="0">
+                <a:solidFill>
+                  <a:srgbClr val="222222"/>
+                </a:solidFill>
+                <a:latin typeface="Calibri" panose="020F0502020204030204" pitchFamily="34" charset="0"/>
+                <a:ea typeface="Times New Roman" panose="02020603050405020304" pitchFamily="18" charset="0"/>
+              </a:rPr>
+              <a:t>Vergleich von CNN Performance mit Textblob auf frischen Testdaten ohne Label</a:t>
+            </a:r>
+          </a:p>
+          <a:p>
             <a:endParaRPr lang="en-US" dirty="0"/>
+          </a:p>
+        </p:txBody>
+      </p:sp>
+      <p:sp>
+        <p:nvSpPr>
+          <p:cNvPr id="8" name="TextBox 7">
+            <a:extLst>
+              <a:ext uri="{FF2B5EF4-FFF2-40B4-BE49-F238E27FC236}">
+                <a16:creationId xmlns:a16="http://schemas.microsoft.com/office/drawing/2014/main" id="{D943D6C9-FAAD-4058-AFC0-A684EFC00EAA}"/>
+              </a:ext>
+            </a:extLst>
+          </p:cNvPr>
+          <p:cNvSpPr txBox="1"/>
+          <p:nvPr/>
+        </p:nvSpPr>
+        <p:spPr>
+          <a:xfrm>
+            <a:off x="11610807" y="102749"/>
+            <a:ext cx="490457" cy="261610"/>
+          </a:xfrm>
+          <a:prstGeom prst="rect">
+            <a:avLst/>
+          </a:prstGeom>
+          <a:noFill/>
+        </p:spPr>
+        <p:txBody>
+          <a:bodyPr wrap="square" rtlCol="0">
+            <a:spAutoFit/>
+          </a:bodyPr>
+          <a:lstStyle/>
+          <a:p>
+            <a:pPr algn="r"/>
+            <a:r>
+              <a:rPr lang="en-US" sz="1100" dirty="0"/>
+              <a:t>3’</a:t>
+            </a:r>
           </a:p>
         </p:txBody>
       </p:sp>
@@ -10515,6 +11345,15 @@
 </file>
 
 <file path=customXml/item2.xml><?xml version="1.0" encoding="utf-8"?>
+<?mso-contentType ?>
+<FormTemplates xmlns="http://schemas.microsoft.com/sharepoint/v3/contenttype/forms">
+  <Display>DocumentLibraryForm</Display>
+  <Edit>DocumentLibraryForm</Edit>
+  <New>DocumentLibraryForm</New>
+</FormTemplates>
+</file>
+
+<file path=customXml/item3.xml><?xml version="1.0" encoding="utf-8"?>
 <ct:contentTypeSchema xmlns:ct="http://schemas.microsoft.com/office/2006/metadata/contentType" xmlns:ma="http://schemas.microsoft.com/office/2006/metadata/properties/metaAttributes" ct:_="" ma:_="" ma:contentTypeName="Document" ma:contentTypeID="0x01010079F111ED35F8CC479449609E8A0923A6" ma:contentTypeVersion="12" ma:contentTypeDescription="Create a new document." ma:contentTypeScope="" ma:versionID="a410dd7f93c95333ffa1b60ed6adedd1">
   <xsd:schema xmlns:xsd="http://www.w3.org/2001/XMLSchema" xmlns:xs="http://www.w3.org/2001/XMLSchema" xmlns:p="http://schemas.microsoft.com/office/2006/metadata/properties" xmlns:ns2="71af3243-3dd4-4a8d-8c0d-dd76da1f02a5" xmlns:ns3="16c05727-aa75-4e4a-9b5f-8a80a1165891" targetNamespace="http://schemas.microsoft.com/office/2006/metadata/properties" ma:root="true" ma:fieldsID="a936d9baba76aa3866493feff160faab" ns2:_="" ns3:_="">
     <xsd:import namespace="71af3243-3dd4-4a8d-8c0d-dd76da1f02a5"/>
@@ -10735,15 +11574,6 @@
 </ct:contentTypeSchema>
 </file>
 
-<file path=customXml/item3.xml><?xml version="1.0" encoding="utf-8"?>
-<?mso-contentType ?>
-<FormTemplates xmlns="http://schemas.microsoft.com/sharepoint/v3/contenttype/forms">
-  <Display>DocumentLibraryForm</Display>
-  <Edit>DocumentLibraryForm</Edit>
-  <New>DocumentLibraryForm</New>
-</FormTemplates>
-</file>
-
 <file path=customXml/itemProps1.xml><?xml version="1.0" encoding="utf-8"?>
 <ds:datastoreItem xmlns:ds="http://schemas.openxmlformats.org/officeDocument/2006/customXml" ds:itemID="{8D289AE2-D2AE-49D1-AFAC-3A79F6794255}">
   <ds:schemaRefs>
@@ -10755,6 +11585,14 @@
 </file>
 
 <file path=customXml/itemProps2.xml><?xml version="1.0" encoding="utf-8"?>
+<ds:datastoreItem xmlns:ds="http://schemas.openxmlformats.org/officeDocument/2006/customXml" ds:itemID="{927BD4C1-B6B1-4715-ABF9-E660A51A4EA0}">
+  <ds:schemaRefs>
+    <ds:schemaRef ds:uri="http://schemas.microsoft.com/sharepoint/v3/contenttype/forms"/>
+  </ds:schemaRefs>
+</ds:datastoreItem>
+</file>
+
+<file path=customXml/itemProps3.xml><?xml version="1.0" encoding="utf-8"?>
 <ds:datastoreItem xmlns:ds="http://schemas.openxmlformats.org/officeDocument/2006/customXml" ds:itemID="{41E7CA09-9778-4414-AE97-8064B12DA30E}">
   <ds:schemaRefs>
     <ds:schemaRef ds:uri="http://schemas.microsoft.com/office/2006/metadata/contentType"/>
@@ -10771,12 +11609,4 @@
     <ds:schemaRef ds:uri="http://schemas.microsoft.com/internal/obd"/>
   </ds:schemaRefs>
 </ds:datastoreItem>
-</file>
-
-<file path=customXml/itemProps3.xml><?xml version="1.0" encoding="utf-8"?>
-<ds:datastoreItem xmlns:ds="http://schemas.openxmlformats.org/officeDocument/2006/customXml" ds:itemID="{927BD4C1-B6B1-4715-ABF9-E660A51A4EA0}">
-  <ds:schemaRefs>
-    <ds:schemaRef ds:uri="http://schemas.microsoft.com/sharepoint/v3/contenttype/forms"/>
-  </ds:schemaRefs>
-</ds:datastoreItem>
 </file>